--- a/useful_files/Documentation/IP_API_DOCUMENTATION.pptx
+++ b/useful_files/Documentation/IP_API_DOCUMENTATION.pptx
@@ -265,7 +265,7 @@
           <a:p>
             <a:fld id="{5C043BEE-04DC-4AF6-A027-0A96FDF13EB9}" type="datetimeFigureOut">
               <a:rPr lang="ro-RO" smtClean="0"/>
-              <a:t>15.05.2022</a:t>
+              <a:t>01.06.2022</a:t>
             </a:fld>
             <a:endParaRPr lang="ro-RO"/>
           </a:p>
@@ -435,7 +435,7 @@
           <a:p>
             <a:fld id="{5C043BEE-04DC-4AF6-A027-0A96FDF13EB9}" type="datetimeFigureOut">
               <a:rPr lang="ro-RO" smtClean="0"/>
-              <a:t>15.05.2022</a:t>
+              <a:t>01.06.2022</a:t>
             </a:fld>
             <a:endParaRPr lang="ro-RO"/>
           </a:p>
@@ -615,7 +615,7 @@
           <a:p>
             <a:fld id="{5C043BEE-04DC-4AF6-A027-0A96FDF13EB9}" type="datetimeFigureOut">
               <a:rPr lang="ro-RO" smtClean="0"/>
-              <a:t>15.05.2022</a:t>
+              <a:t>01.06.2022</a:t>
             </a:fld>
             <a:endParaRPr lang="ro-RO"/>
           </a:p>
@@ -785,7 +785,7 @@
           <a:p>
             <a:fld id="{5C043BEE-04DC-4AF6-A027-0A96FDF13EB9}" type="datetimeFigureOut">
               <a:rPr lang="ro-RO" smtClean="0"/>
-              <a:t>15.05.2022</a:t>
+              <a:t>01.06.2022</a:t>
             </a:fld>
             <a:endParaRPr lang="ro-RO"/>
           </a:p>
@@ -1031,7 +1031,7 @@
           <a:p>
             <a:fld id="{5C043BEE-04DC-4AF6-A027-0A96FDF13EB9}" type="datetimeFigureOut">
               <a:rPr lang="ro-RO" smtClean="0"/>
-              <a:t>15.05.2022</a:t>
+              <a:t>01.06.2022</a:t>
             </a:fld>
             <a:endParaRPr lang="ro-RO"/>
           </a:p>
@@ -1263,7 +1263,7 @@
           <a:p>
             <a:fld id="{5C043BEE-04DC-4AF6-A027-0A96FDF13EB9}" type="datetimeFigureOut">
               <a:rPr lang="ro-RO" smtClean="0"/>
-              <a:t>15.05.2022</a:t>
+              <a:t>01.06.2022</a:t>
             </a:fld>
             <a:endParaRPr lang="ro-RO"/>
           </a:p>
@@ -1630,7 +1630,7 @@
           <a:p>
             <a:fld id="{5C043BEE-04DC-4AF6-A027-0A96FDF13EB9}" type="datetimeFigureOut">
               <a:rPr lang="ro-RO" smtClean="0"/>
-              <a:t>15.05.2022</a:t>
+              <a:t>01.06.2022</a:t>
             </a:fld>
             <a:endParaRPr lang="ro-RO"/>
           </a:p>
@@ -1748,7 +1748,7 @@
           <a:p>
             <a:fld id="{5C043BEE-04DC-4AF6-A027-0A96FDF13EB9}" type="datetimeFigureOut">
               <a:rPr lang="ro-RO" smtClean="0"/>
-              <a:t>15.05.2022</a:t>
+              <a:t>01.06.2022</a:t>
             </a:fld>
             <a:endParaRPr lang="ro-RO"/>
           </a:p>
@@ -1843,7 +1843,7 @@
           <a:p>
             <a:fld id="{5C043BEE-04DC-4AF6-A027-0A96FDF13EB9}" type="datetimeFigureOut">
               <a:rPr lang="ro-RO" smtClean="0"/>
-              <a:t>15.05.2022</a:t>
+              <a:t>01.06.2022</a:t>
             </a:fld>
             <a:endParaRPr lang="ro-RO"/>
           </a:p>
@@ -2120,7 +2120,7 @@
           <a:p>
             <a:fld id="{5C043BEE-04DC-4AF6-A027-0A96FDF13EB9}" type="datetimeFigureOut">
               <a:rPr lang="ro-RO" smtClean="0"/>
-              <a:t>15.05.2022</a:t>
+              <a:t>01.06.2022</a:t>
             </a:fld>
             <a:endParaRPr lang="ro-RO"/>
           </a:p>
@@ -2377,7 +2377,7 @@
           <a:p>
             <a:fld id="{5C043BEE-04DC-4AF6-A027-0A96FDF13EB9}" type="datetimeFigureOut">
               <a:rPr lang="ro-RO" smtClean="0"/>
-              <a:t>15.05.2022</a:t>
+              <a:t>01.06.2022</a:t>
             </a:fld>
             <a:endParaRPr lang="ro-RO"/>
           </a:p>
@@ -2590,7 +2590,7 @@
           <a:p>
             <a:fld id="{5C043BEE-04DC-4AF6-A027-0A96FDF13EB9}" type="datetimeFigureOut">
               <a:rPr lang="ro-RO" smtClean="0"/>
-              <a:t>15.05.2022</a:t>
+              <a:t>01.06.2022</a:t>
             </a:fld>
             <a:endParaRPr lang="ro-RO"/>
           </a:p>
@@ -3325,7 +3325,7 @@
                   <a:srgbClr val="FFFFFF"/>
                 </a:solidFill>
                 <a:latin typeface="Inter"/>
-                <a:hlinkClick r:id="rId2"/>
+                <a:hlinkClick r:id="rId3"/>
               </a:rPr>
               <a:t>medic</a:t>
             </a:r>
@@ -3363,23 +3363,14 @@
               <a:t>/</a:t>
             </a:r>
             <a:r>
-              <a:rPr lang="en-US" dirty="0">
-                <a:solidFill>
-                  <a:srgbClr val="FFFFFF"/>
-                </a:solidFill>
-                <a:latin typeface="Inter"/>
-              </a:rPr>
-              <a:t>	</a:t>
-            </a:r>
-            <a:r>
-              <a:rPr lang="en-US" b="0" i="0" dirty="0">
-                <a:solidFill>
-                  <a:srgbClr val="FFFFFF"/>
-                </a:solidFill>
-                <a:effectLst/>
-                <a:latin typeface="Inter"/>
-              </a:rPr>
-              <a:t>=&gt; select the medic row that has the specified ID</a:t>
+              <a:rPr lang="en-US" b="0" i="0" dirty="0">
+                <a:solidFill>
+                  <a:srgbClr val="FFFFFF"/>
+                </a:solidFill>
+                <a:effectLst/>
+                <a:latin typeface="Inter"/>
+              </a:rPr>
+              <a:t> =&gt; select the medic row that has the specified ID</a:t>
             </a:r>
           </a:p>
           <a:p>
@@ -3465,7 +3456,7 @@
                 <a:effectLst/>
                 <a:latin typeface="Inter"/>
               </a:rPr>
-              <a:t> 	=&gt; select the medic that has the specified username</a:t>
+              <a:t>  =&gt; select the medic that has the specified username</a:t>
             </a:r>
           </a:p>
           <a:p>
@@ -3558,7 +3549,7 @@
                 </a:solidFill>
                 <a:effectLst/>
                 <a:latin typeface="Inter"/>
-                <a:hlinkClick r:id="rId3"/>
+                <a:hlinkClick r:id="rId6"/>
               </a:rPr>
               <a:t>http://185.207.251.196:9000/api/</a:t>
             </a:r>
@@ -3580,7 +3571,7 @@
                 </a:solidFill>
                 <a:effectLst/>
                 <a:latin typeface="Inter"/>
-                <a:hlinkClick r:id="rId3"/>
+                <a:hlinkClick r:id="rId6"/>
               </a:rPr>
               <a:t>/id/</a:t>
             </a:r>
@@ -3591,7 +3582,7 @@
                 </a:solidFill>
                 <a:effectLst/>
                 <a:latin typeface="Inter"/>
-                <a:hlinkClick r:id="rId3"/>
+                <a:hlinkClick r:id="rId6"/>
               </a:rPr>
               <a:t>{number}</a:t>
             </a:r>
@@ -3602,7 +3593,7 @@
                 </a:solidFill>
                 <a:effectLst/>
                 <a:latin typeface="Inter"/>
-                <a:hlinkClick r:id="rId3"/>
+                <a:hlinkClick r:id="rId6"/>
               </a:rPr>
               <a:t>/</a:t>
             </a:r>
@@ -3632,7 +3623,7 @@
                   <a:srgbClr val="FFFFFF"/>
                 </a:solidFill>
                 <a:latin typeface="Inter"/>
-                <a:hlinkClick r:id="rId6"/>
+                <a:hlinkClick r:id="rId7"/>
               </a:rPr>
               <a:t>{DELETE} </a:t>
             </a:r>
@@ -3642,7 +3633,7 @@
                   <a:srgbClr val="FFFFFF"/>
                 </a:solidFill>
                 <a:latin typeface="Inter"/>
-                <a:hlinkClick r:id="rId6"/>
+                <a:hlinkClick r:id="rId7"/>
               </a:rPr>
               <a:t>http://185.207.251.196:9000/api/</a:t>
             </a:r>
@@ -3664,7 +3655,7 @@
                 </a:solidFill>
                 <a:effectLst/>
                 <a:latin typeface="Inter"/>
-                <a:hlinkClick r:id="rId6"/>
+                <a:hlinkClick r:id="rId7"/>
               </a:rPr>
               <a:t>/id/</a:t>
             </a:r>
@@ -3675,7 +3666,7 @@
                 </a:solidFill>
                 <a:effectLst/>
                 <a:latin typeface="Inter"/>
-                <a:hlinkClick r:id="rId6"/>
+                <a:hlinkClick r:id="rId7"/>
               </a:rPr>
               <a:t>{number}</a:t>
             </a:r>
@@ -3686,7 +3677,7 @@
                 </a:solidFill>
                 <a:effectLst/>
                 <a:latin typeface="Inter"/>
-                <a:hlinkClick r:id="rId6"/>
+                <a:hlinkClick r:id="rId7"/>
               </a:rPr>
               <a:t>/</a:t>
             </a:r>
@@ -3739,7 +3730,7 @@
           <a:p>
             <a:r>
               <a:rPr lang="en-US" dirty="0">
-                <a:hlinkClick r:id="rId7" action="ppaction://hlinksldjump"/>
+                <a:hlinkClick r:id="rId8" action="ppaction://hlinksldjump"/>
               </a:rPr>
               <a:t>Back to navigation</a:t>
             </a:r>
@@ -4078,7 +4069,7 @@
         </p:spPr>
         <p:txBody>
           <a:bodyPr>
-            <a:normAutofit lnSpcReduction="10000"/>
+            <a:normAutofit fontScale="92500" lnSpcReduction="20000"/>
           </a:bodyPr>
           <a:lstStyle/>
           <a:p>
@@ -4289,6 +4280,127 @@
                 <a:latin typeface="Inter"/>
               </a:rPr>
               <a:t> =&gt; create a new medical data row</a:t>
+            </a:r>
+          </a:p>
+          <a:p>
+            <a:pPr marL="0" indent="0">
+              <a:buNone/>
+            </a:pPr>
+            <a:endParaRPr lang="en-US" b="0" i="0" dirty="0">
+              <a:solidFill>
+                <a:srgbClr val="FFFFFF"/>
+              </a:solidFill>
+              <a:effectLst/>
+              <a:latin typeface="Inter"/>
+            </a:endParaRPr>
+          </a:p>
+          <a:p>
+            <a:r>
+              <a:rPr lang="en-US" b="0" i="0" dirty="0">
+                <a:solidFill>
+                  <a:srgbClr val="FFFFFF"/>
+                </a:solidFill>
+                <a:effectLst/>
+                <a:latin typeface="Inter"/>
+                <a:hlinkClick r:id="rId2"/>
+              </a:rPr>
+              <a:t>{GET} </a:t>
+            </a:r>
+            <a:r>
+              <a:rPr lang="ro-RO" b="0" i="0" dirty="0">
+                <a:solidFill>
+                  <a:srgbClr val="FFFFFF"/>
+                </a:solidFill>
+                <a:effectLst/>
+                <a:latin typeface="Inter"/>
+                <a:hlinkClick r:id="rId4"/>
+              </a:rPr>
+              <a:t>http://185.207.251.196:9000/api/</a:t>
+            </a:r>
+            <a:r>
+              <a:rPr lang="ro-RO" b="0" i="0" dirty="0">
+                <a:solidFill>
+                  <a:srgbClr val="FFFFFF"/>
+                </a:solidFill>
+                <a:effectLst/>
+                <a:latin typeface="Inter"/>
+                <a:hlinkClick r:id="rId3"/>
+              </a:rPr>
+              <a:t>android</a:t>
+            </a:r>
+            <a:r>
+              <a:rPr lang="ro-RO" b="0" i="0" dirty="0">
+                <a:solidFill>
+                  <a:srgbClr val="FFFFFF"/>
+                </a:solidFill>
+                <a:effectLst/>
+                <a:latin typeface="Inter"/>
+                <a:hlinkClick r:id="rId4"/>
+              </a:rPr>
+              <a:t>/id</a:t>
+            </a:r>
+            <a:r>
+              <a:rPr lang="en-US" b="0" i="0" dirty="0">
+                <a:solidFill>
+                  <a:srgbClr val="FFFFFF"/>
+                </a:solidFill>
+                <a:effectLst/>
+                <a:latin typeface="Inter"/>
+                <a:hlinkClick r:id="rId4"/>
+              </a:rPr>
+              <a:t>patient</a:t>
+            </a:r>
+            <a:r>
+              <a:rPr lang="ro-RO" b="0" i="0" dirty="0">
+                <a:solidFill>
+                  <a:srgbClr val="FFFFFF"/>
+                </a:solidFill>
+                <a:effectLst/>
+                <a:latin typeface="Inter"/>
+                <a:hlinkClick r:id="rId4"/>
+              </a:rPr>
+              <a:t>/</a:t>
+            </a:r>
+            <a:r>
+              <a:rPr lang="en-US" b="0" i="0" dirty="0">
+                <a:solidFill>
+                  <a:srgbClr val="FFFFFF"/>
+                </a:solidFill>
+                <a:effectLst/>
+                <a:latin typeface="Inter"/>
+                <a:hlinkClick r:id="rId4"/>
+              </a:rPr>
+              <a:t>{number}</a:t>
+            </a:r>
+            <a:r>
+              <a:rPr lang="ro-RO" b="0" i="0" dirty="0">
+                <a:solidFill>
+                  <a:srgbClr val="FFFFFF"/>
+                </a:solidFill>
+                <a:effectLst/>
+                <a:latin typeface="Inter"/>
+                <a:hlinkClick r:id="rId4"/>
+              </a:rPr>
+              <a:t>/</a:t>
+            </a:r>
+            <a:r>
+              <a:rPr lang="en-US" dirty="0">
+                <a:solidFill>
+                  <a:srgbClr val="FFFFFF"/>
+                </a:solidFill>
+                <a:latin typeface="Inter"/>
+              </a:rPr>
+              <a:t>	</a:t>
+            </a:r>
+            <a:r>
+              <a:rPr lang="en-US" b="0" i="0" dirty="0">
+                <a:solidFill>
+                  <a:srgbClr val="FFFFFF"/>
+                </a:solidFill>
+                <a:effectLst/>
+                <a:latin typeface="Inter"/>
+              </a:rPr>
+              <a:t>=&gt; select the mobile data row that has the specified patient ID</a:t>
             </a:r>
           </a:p>
           <a:p>
@@ -4838,7 +4950,7 @@
         </p:spPr>
         <p:txBody>
           <a:bodyPr>
-            <a:normAutofit fontScale="92500" lnSpcReduction="20000"/>
+            <a:normAutofit fontScale="62500" lnSpcReduction="20000"/>
           </a:bodyPr>
           <a:lstStyle/>
           <a:p>
@@ -4962,7 +5074,7 @@
                 </a:solidFill>
                 <a:effectLst/>
                 <a:latin typeface="Inter"/>
-                <a:hlinkClick r:id="rId4"/>
+                <a:hlinkClick r:id="rId6"/>
               </a:rPr>
               <a:t>/id/</a:t>
             </a:r>
@@ -4973,7 +5085,7 @@
                 </a:solidFill>
                 <a:effectLst/>
                 <a:latin typeface="Inter"/>
-                <a:hlinkClick r:id="rId4"/>
+                <a:hlinkClick r:id="rId6"/>
               </a:rPr>
               <a:t>{number}</a:t>
             </a:r>
@@ -4984,7 +5096,7 @@
                 </a:solidFill>
                 <a:effectLst/>
                 <a:latin typeface="Inter"/>
-                <a:hlinkClick r:id="rId4"/>
+                <a:hlinkClick r:id="rId6"/>
               </a:rPr>
               <a:t>/</a:t>
             </a:r>
@@ -5015,7 +5127,7 @@
               </a:solidFill>
               <a:effectLst/>
               <a:latin typeface="Inter"/>
-              <a:hlinkClick r:id="rId6"/>
+              <a:hlinkClick r:id="rId7"/>
             </a:endParaRPr>
           </a:p>
           <a:p>
@@ -5026,8 +5138,215 @@
                 </a:solidFill>
                 <a:effectLst/>
                 <a:latin typeface="Inter"/>
+                <a:hlinkClick r:id="rId7"/>
+              </a:rPr>
+              <a:t>{GET} </a:t>
+            </a:r>
+            <a:r>
+              <a:rPr lang="ro-RO" b="0" i="0" dirty="0">
+                <a:solidFill>
+                  <a:srgbClr val="FFFFFF"/>
+                </a:solidFill>
+                <a:effectLst/>
+                <a:latin typeface="Inter"/>
+                <a:hlinkClick r:id="rId7"/>
+              </a:rPr>
+              <a:t>http://185.207.251.196:9000/api/</a:t>
+            </a:r>
+            <a:r>
+              <a:rPr lang="en-US" dirty="0">
+                <a:solidFill>
+                  <a:srgbClr val="FFFFFF"/>
+                </a:solidFill>
+                <a:latin typeface="Inter"/>
+                <a:hlinkClick r:id="rId2"/>
+              </a:rPr>
+              <a:t>patients</a:t>
+            </a:r>
+            <a:r>
+              <a:rPr lang="ro-RO" b="0" i="0" dirty="0">
+                <a:solidFill>
+                  <a:srgbClr val="FFFFFF"/>
+                </a:solidFill>
+                <a:effectLst/>
+                <a:latin typeface="Inter"/>
+                <a:hlinkClick r:id="rId7"/>
+              </a:rPr>
+              <a:t>/username/</a:t>
+            </a:r>
+            <a:r>
+              <a:rPr lang="en-US" b="0" i="0" dirty="0">
+                <a:solidFill>
+                  <a:srgbClr val="FFFFFF"/>
+                </a:solidFill>
+                <a:effectLst/>
+                <a:latin typeface="Inter"/>
+                <a:hlinkClick r:id="rId7"/>
+              </a:rPr>
+              <a:t>{string}</a:t>
+            </a:r>
+            <a:r>
+              <a:rPr lang="ro-RO" b="0" i="0" dirty="0">
+                <a:solidFill>
+                  <a:srgbClr val="FFFFFF"/>
+                </a:solidFill>
+                <a:effectLst/>
+                <a:latin typeface="Inter"/>
+                <a:hlinkClick r:id="rId7"/>
+              </a:rPr>
+              <a:t>/</a:t>
+            </a:r>
+            <a:r>
+              <a:rPr lang="en-US" b="0" i="0" dirty="0">
+                <a:solidFill>
+                  <a:srgbClr val="FFFFFF"/>
+                </a:solidFill>
+                <a:effectLst/>
+                <a:latin typeface="Inter"/>
+              </a:rPr>
+              <a:t> 	=&gt; select the patient that has the specified username</a:t>
+            </a:r>
+          </a:p>
+          <a:p>
+            <a:endParaRPr lang="en-US" b="0" i="0" dirty="0">
+              <a:solidFill>
+                <a:srgbClr val="FFFFFF"/>
+              </a:solidFill>
+              <a:effectLst/>
+              <a:latin typeface="Inter"/>
+            </a:endParaRPr>
+          </a:p>
+          <a:p>
+            <a:r>
+              <a:rPr lang="en-US" b="0" i="0" dirty="0">
+                <a:solidFill>
+                  <a:srgbClr val="FFFFFF"/>
+                </a:solidFill>
+                <a:effectLst/>
+                <a:latin typeface="Inter"/>
+                <a:hlinkClick r:id="rId2"/>
+              </a:rPr>
+              <a:t>{GET} </a:t>
+            </a:r>
+            <a:r>
+              <a:rPr lang="ro-RO" b="0" i="0" dirty="0">
+                <a:solidFill>
+                  <a:srgbClr val="FFFFFF"/>
+                </a:solidFill>
+                <a:effectLst/>
+                <a:latin typeface="Inter"/>
+                <a:hlinkClick r:id="rId4"/>
+              </a:rPr>
+              <a:t>http://185.207.251.196:9000/api/</a:t>
+            </a:r>
+            <a:r>
+              <a:rPr lang="en-US" b="0" i="0" dirty="0">
+                <a:solidFill>
+                  <a:srgbClr val="FFFFFF"/>
+                </a:solidFill>
+                <a:effectLst/>
+                <a:latin typeface="Inter"/>
+                <a:hlinkClick r:id="rId5"/>
+              </a:rPr>
+              <a:t>patients</a:t>
+            </a:r>
+            <a:r>
+              <a:rPr lang="ro-RO" b="0" i="0" dirty="0">
+                <a:solidFill>
+                  <a:srgbClr val="FFFFFF"/>
+                </a:solidFill>
+                <a:effectLst/>
+                <a:latin typeface="Inter"/>
                 <a:hlinkClick r:id="rId6"/>
               </a:rPr>
+              <a:t>/id</a:t>
+            </a:r>
+            <a:r>
+              <a:rPr lang="en-US" b="0" i="0" dirty="0">
+                <a:solidFill>
+                  <a:srgbClr val="FFFFFF"/>
+                </a:solidFill>
+                <a:effectLst/>
+                <a:latin typeface="Inter"/>
+                <a:hlinkClick r:id="rId6"/>
+              </a:rPr>
+              <a:t>medic</a:t>
+            </a:r>
+            <a:r>
+              <a:rPr lang="ro-RO" b="0" i="0" dirty="0">
+                <a:solidFill>
+                  <a:srgbClr val="FFFFFF"/>
+                </a:solidFill>
+                <a:effectLst/>
+                <a:latin typeface="Inter"/>
+                <a:hlinkClick r:id="rId6"/>
+              </a:rPr>
+              <a:t>/</a:t>
+            </a:r>
+            <a:r>
+              <a:rPr lang="en-US" b="0" i="0" dirty="0">
+                <a:solidFill>
+                  <a:srgbClr val="FFFFFF"/>
+                </a:solidFill>
+                <a:effectLst/>
+                <a:latin typeface="Inter"/>
+                <a:hlinkClick r:id="rId6"/>
+              </a:rPr>
+              <a:t>{number}</a:t>
+            </a:r>
+            <a:r>
+              <a:rPr lang="ro-RO" b="0" i="0" dirty="0">
+                <a:solidFill>
+                  <a:srgbClr val="FFFFFF"/>
+                </a:solidFill>
+                <a:effectLst/>
+                <a:latin typeface="Inter"/>
+                <a:hlinkClick r:id="rId6"/>
+              </a:rPr>
+              <a:t>/</a:t>
+            </a:r>
+            <a:r>
+              <a:rPr lang="en-US" dirty="0">
+                <a:solidFill>
+                  <a:srgbClr val="FFFFFF"/>
+                </a:solidFill>
+                <a:latin typeface="Inter"/>
+              </a:rPr>
+              <a:t>		</a:t>
+            </a:r>
+            <a:r>
+              <a:rPr lang="en-US" b="0" i="0" dirty="0">
+                <a:solidFill>
+                  <a:srgbClr val="FFFFFF"/>
+                </a:solidFill>
+                <a:effectLst/>
+                <a:latin typeface="Inter"/>
+              </a:rPr>
+              <a:t>=&gt; select the patient row that has the specified medic ID</a:t>
+            </a:r>
+          </a:p>
+          <a:p>
+            <a:pPr marL="0" indent="0">
+              <a:buNone/>
+            </a:pPr>
+            <a:endParaRPr lang="en-US" b="0" i="0" dirty="0">
+              <a:solidFill>
+                <a:srgbClr val="FFFFFF"/>
+              </a:solidFill>
+              <a:effectLst/>
+              <a:latin typeface="Inter"/>
+            </a:endParaRPr>
+          </a:p>
+          <a:p>
+            <a:r>
+              <a:rPr lang="en-US" b="0" i="0" dirty="0">
+                <a:solidFill>
+                  <a:srgbClr val="FFFFFF"/>
+                </a:solidFill>
+                <a:effectLst/>
+                <a:latin typeface="Inter"/>
+                <a:hlinkClick r:id="rId2"/>
+              </a:rPr>
               <a:t>{GET} </a:t>
             </a:r>
             <a:r>
@@ -5037,9 +5356,75 @@
                 </a:solidFill>
                 <a:effectLst/>
                 <a:latin typeface="Inter"/>
+                <a:hlinkClick r:id="rId4"/>
+              </a:rPr>
+              <a:t>http://185.207.251.196:9000/api/</a:t>
+            </a:r>
+            <a:r>
+              <a:rPr lang="en-US" b="0" i="0" dirty="0">
+                <a:solidFill>
+                  <a:srgbClr val="FFFFFF"/>
+                </a:solidFill>
+                <a:effectLst/>
+                <a:latin typeface="Inter"/>
+                <a:hlinkClick r:id="rId5"/>
+              </a:rPr>
+              <a:t>patients</a:t>
+            </a:r>
+            <a:r>
+              <a:rPr lang="ro-RO" b="0" i="0" dirty="0">
+                <a:solidFill>
+                  <a:srgbClr val="FFFFFF"/>
+                </a:solidFill>
+                <a:effectLst/>
+                <a:latin typeface="Inter"/>
                 <a:hlinkClick r:id="rId6"/>
               </a:rPr>
-              <a:t>http://185.207.251.196:9000/api/</a:t>
+              <a:t>/</a:t>
+            </a:r>
+            <a:r>
+              <a:rPr lang="en-US" b="0" i="0" dirty="0" err="1">
+                <a:solidFill>
+                  <a:srgbClr val="FFFFFF"/>
+                </a:solidFill>
+                <a:effectLst/>
+                <a:latin typeface="Inter"/>
+                <a:hlinkClick r:id="rId6"/>
+              </a:rPr>
+              <a:t>idsupervisor</a:t>
+            </a:r>
+            <a:r>
+              <a:rPr lang="ro-RO" b="0" i="0" dirty="0">
+                <a:solidFill>
+                  <a:srgbClr val="FFFFFF"/>
+                </a:solidFill>
+                <a:effectLst/>
+                <a:latin typeface="Inter"/>
+                <a:hlinkClick r:id="rId6"/>
+              </a:rPr>
+              <a:t>/</a:t>
+            </a:r>
+            <a:r>
+              <a:rPr lang="en-US" b="0" i="0" dirty="0">
+                <a:solidFill>
+                  <a:srgbClr val="FFFFFF"/>
+                </a:solidFill>
+                <a:effectLst/>
+                <a:latin typeface="Inter"/>
+                <a:hlinkClick r:id="rId6"/>
+              </a:rPr>
+              <a:t>{number}</a:t>
+            </a:r>
+            <a:r>
+              <a:rPr lang="ro-RO" b="0" i="0" dirty="0">
+                <a:solidFill>
+                  <a:srgbClr val="FFFFFF"/>
+                </a:solidFill>
+                <a:effectLst/>
+                <a:latin typeface="Inter"/>
+                <a:hlinkClick r:id="rId6"/>
+              </a:rPr>
+              <a:t>/</a:t>
             </a:r>
             <a:r>
               <a:rPr lang="en-US" dirty="0">
@@ -5047,52 +5432,18 @@
                   <a:srgbClr val="FFFFFF"/>
                 </a:solidFill>
                 <a:latin typeface="Inter"/>
-                <a:hlinkClick r:id="rId2"/>
-              </a:rPr>
-              <a:t>patients</a:t>
-            </a:r>
-            <a:r>
-              <a:rPr lang="ro-RO" b="0" i="0" dirty="0">
-                <a:solidFill>
-                  <a:srgbClr val="FFFFFF"/>
-                </a:solidFill>
-                <a:effectLst/>
-                <a:latin typeface="Inter"/>
-                <a:hlinkClick r:id="rId6"/>
-              </a:rPr>
-              <a:t>/username/</a:t>
-            </a:r>
-            <a:r>
-              <a:rPr lang="en-US" b="0" i="0" dirty="0">
-                <a:solidFill>
-                  <a:srgbClr val="FFFFFF"/>
-                </a:solidFill>
-                <a:effectLst/>
-                <a:latin typeface="Inter"/>
-                <a:hlinkClick r:id="rId6"/>
-              </a:rPr>
-              <a:t>{string}</a:t>
-            </a:r>
-            <a:r>
-              <a:rPr lang="ro-RO" b="0" i="0" dirty="0">
-                <a:solidFill>
-                  <a:srgbClr val="FFFFFF"/>
-                </a:solidFill>
-                <a:effectLst/>
-                <a:latin typeface="Inter"/>
-                <a:hlinkClick r:id="rId6"/>
-              </a:rPr>
-              <a:t>/</a:t>
-            </a:r>
-            <a:r>
-              <a:rPr lang="en-US" b="0" i="0" dirty="0">
-                <a:solidFill>
-                  <a:srgbClr val="FFFFFF"/>
-                </a:solidFill>
-                <a:effectLst/>
-                <a:latin typeface="Inter"/>
-              </a:rPr>
-              <a:t> 	=&gt; select the patient that has the specified username</a:t>
+              </a:rPr>
+              <a:t>	</a:t>
+            </a:r>
+            <a:r>
+              <a:rPr lang="en-US" b="0" i="0" dirty="0">
+                <a:solidFill>
+                  <a:srgbClr val="FFFFFF"/>
+                </a:solidFill>
+                <a:effectLst/>
+                <a:latin typeface="Inter"/>
+              </a:rPr>
+              <a:t>=&gt; select the patient row that has the specified supervisor ID</a:t>
             </a:r>
           </a:p>
           <a:p>
@@ -5122,7 +5473,7 @@
                 </a:solidFill>
                 <a:effectLst/>
                 <a:latin typeface="Inter"/>
-                <a:hlinkClick r:id="rId7"/>
+                <a:hlinkClick r:id="rId8"/>
               </a:rPr>
               <a:t>http://185.207.251.196:9000/api/</a:t>
             </a:r>
@@ -5144,7 +5495,7 @@
                 </a:solidFill>
                 <a:effectLst/>
                 <a:latin typeface="Inter"/>
-                <a:hlinkClick r:id="rId7"/>
+                <a:hlinkClick r:id="rId8"/>
               </a:rPr>
               <a:t>/create/</a:t>
             </a:r>
@@ -5186,7 +5537,7 @@
                 </a:solidFill>
                 <a:effectLst/>
                 <a:latin typeface="Inter"/>
-                <a:hlinkClick r:id="rId4"/>
+                <a:hlinkClick r:id="rId6"/>
               </a:rPr>
               <a:t>http://185.207.251.196:9000/api/</a:t>
             </a:r>
@@ -5197,7 +5548,7 @@
                 </a:solidFill>
                 <a:effectLst/>
                 <a:latin typeface="Inter"/>
-                <a:hlinkClick r:id="rId4"/>
+                <a:hlinkClick r:id="rId6"/>
               </a:rPr>
               <a:t>patients</a:t>
             </a:r>
@@ -5208,7 +5559,7 @@
                 </a:solidFill>
                 <a:effectLst/>
                 <a:latin typeface="Inter"/>
-                <a:hlinkClick r:id="rId4"/>
+                <a:hlinkClick r:id="rId6"/>
               </a:rPr>
               <a:t>/id/</a:t>
             </a:r>
@@ -5219,7 +5570,7 @@
                 </a:solidFill>
                 <a:effectLst/>
                 <a:latin typeface="Inter"/>
-                <a:hlinkClick r:id="rId4"/>
+                <a:hlinkClick r:id="rId6"/>
               </a:rPr>
               <a:t>{number}</a:t>
             </a:r>
@@ -5230,7 +5581,7 @@
                 </a:solidFill>
                 <a:effectLst/>
                 <a:latin typeface="Inter"/>
-                <a:hlinkClick r:id="rId4"/>
+                <a:hlinkClick r:id="rId6"/>
               </a:rPr>
               <a:t>/</a:t>
             </a:r>
@@ -5260,7 +5611,7 @@
                   <a:srgbClr val="FFFFFF"/>
                 </a:solidFill>
                 <a:latin typeface="Inter"/>
-                <a:hlinkClick r:id="rId8"/>
+                <a:hlinkClick r:id="rId9"/>
               </a:rPr>
               <a:t>{DELETE} </a:t>
             </a:r>
@@ -5270,7 +5621,7 @@
                   <a:srgbClr val="FFFFFF"/>
                 </a:solidFill>
                 <a:latin typeface="Inter"/>
-                <a:hlinkClick r:id="rId8"/>
+                <a:hlinkClick r:id="rId9"/>
               </a:rPr>
               <a:t>http://185.207.251.196:9000/api/</a:t>
             </a:r>
@@ -5292,7 +5643,7 @@
                 </a:solidFill>
                 <a:effectLst/>
                 <a:latin typeface="Inter"/>
-                <a:hlinkClick r:id="rId8"/>
+                <a:hlinkClick r:id="rId9"/>
               </a:rPr>
               <a:t>/id/</a:t>
             </a:r>
@@ -5303,7 +5654,7 @@
                 </a:solidFill>
                 <a:effectLst/>
                 <a:latin typeface="Inter"/>
-                <a:hlinkClick r:id="rId8"/>
+                <a:hlinkClick r:id="rId9"/>
               </a:rPr>
               <a:t>{number}</a:t>
             </a:r>
@@ -5314,7 +5665,7 @@
                 </a:solidFill>
                 <a:effectLst/>
                 <a:latin typeface="Inter"/>
-                <a:hlinkClick r:id="rId8"/>
+                <a:hlinkClick r:id="rId9"/>
               </a:rPr>
               <a:t>/</a:t>
             </a:r>
@@ -5367,7 +5718,7 @@
           <a:p>
             <a:r>
               <a:rPr lang="en-US" dirty="0">
-                <a:hlinkClick r:id="rId9" action="ppaction://hlinksldjump"/>
+                <a:hlinkClick r:id="rId10" action="ppaction://hlinksldjump"/>
               </a:rPr>
               <a:t>Back to navigation</a:t>
             </a:r>
@@ -6573,7 +6924,7 @@
         </p:spPr>
         <p:txBody>
           <a:bodyPr>
-            <a:normAutofit fontScale="92500" lnSpcReduction="20000"/>
+            <a:normAutofit fontScale="77500" lnSpcReduction="20000"/>
           </a:bodyPr>
           <a:lstStyle/>
           <a:p>
@@ -6851,6 +7202,129 @@
             </a:r>
           </a:p>
           <a:p>
+            <a:pPr marL="0" indent="0">
+              <a:buNone/>
+            </a:pPr>
+            <a:endParaRPr lang="en-US" b="0" i="0" dirty="0">
+              <a:solidFill>
+                <a:srgbClr val="FFFFFF"/>
+              </a:solidFill>
+              <a:effectLst/>
+              <a:latin typeface="Inter"/>
+            </a:endParaRPr>
+          </a:p>
+          <a:p>
+            <a:r>
+              <a:rPr lang="en-US" b="0" i="0" dirty="0">
+                <a:solidFill>
+                  <a:srgbClr val="FFFFFF"/>
+                </a:solidFill>
+                <a:effectLst/>
+                <a:latin typeface="Inter"/>
+                <a:hlinkClick r:id="rId2"/>
+              </a:rPr>
+              <a:t>{GET} </a:t>
+            </a:r>
+            <a:r>
+              <a:rPr lang="ro-RO" b="0" i="0" dirty="0">
+                <a:solidFill>
+                  <a:srgbClr val="FFFFFF"/>
+                </a:solidFill>
+                <a:effectLst/>
+                <a:latin typeface="Inter"/>
+                <a:hlinkClick r:id="rId4"/>
+              </a:rPr>
+              <a:t>http://185.207.251.196:9000/api/</a:t>
+            </a:r>
+            <a:r>
+              <a:rPr lang="en-US" dirty="0">
+                <a:solidFill>
+                  <a:srgbClr val="FFFFFF"/>
+                </a:solidFill>
+                <a:latin typeface="Inter"/>
+                <a:hlinkClick r:id="rId3"/>
+              </a:rPr>
+              <a:t>senders</a:t>
+            </a:r>
+            <a:r>
+              <a:rPr lang="ro-RO" b="0" i="0" dirty="0">
+                <a:solidFill>
+                  <a:srgbClr val="FFFFFF"/>
+                </a:solidFill>
+                <a:effectLst/>
+                <a:latin typeface="Inter"/>
+                <a:hlinkClick r:id="rId4"/>
+              </a:rPr>
+              <a:t>/id</a:t>
+            </a:r>
+            <a:r>
+              <a:rPr lang="en-US" b="0" i="0" dirty="0">
+                <a:solidFill>
+                  <a:srgbClr val="FFFFFF"/>
+                </a:solidFill>
+                <a:effectLst/>
+                <a:latin typeface="Inter"/>
+                <a:hlinkClick r:id="rId4"/>
+              </a:rPr>
+              <a:t>patient</a:t>
+            </a:r>
+            <a:r>
+              <a:rPr lang="ro-RO" b="0" i="0" dirty="0">
+                <a:solidFill>
+                  <a:srgbClr val="FFFFFF"/>
+                </a:solidFill>
+                <a:effectLst/>
+                <a:latin typeface="Inter"/>
+                <a:hlinkClick r:id="rId4"/>
+              </a:rPr>
+              <a:t>/</a:t>
+            </a:r>
+            <a:r>
+              <a:rPr lang="en-US" b="0" i="0" dirty="0">
+                <a:solidFill>
+                  <a:srgbClr val="FFFFFF"/>
+                </a:solidFill>
+                <a:effectLst/>
+                <a:latin typeface="Inter"/>
+                <a:hlinkClick r:id="rId4"/>
+              </a:rPr>
+              <a:t>{number}</a:t>
+            </a:r>
+            <a:r>
+              <a:rPr lang="ro-RO" b="0" i="0" dirty="0">
+                <a:solidFill>
+                  <a:srgbClr val="FFFFFF"/>
+                </a:solidFill>
+                <a:effectLst/>
+                <a:latin typeface="Inter"/>
+                <a:hlinkClick r:id="rId4"/>
+              </a:rPr>
+              <a:t>/</a:t>
+            </a:r>
+            <a:r>
+              <a:rPr lang="en-US" dirty="0">
+                <a:solidFill>
+                  <a:srgbClr val="FFFFFF"/>
+                </a:solidFill>
+                <a:latin typeface="Inter"/>
+              </a:rPr>
+              <a:t>	</a:t>
+            </a:r>
+            <a:r>
+              <a:rPr lang="en-US" b="0" i="0" dirty="0">
+                <a:solidFill>
+                  <a:srgbClr val="FFFFFF"/>
+                </a:solidFill>
+                <a:effectLst/>
+                <a:latin typeface="Inter"/>
+              </a:rPr>
+              <a:t>=&gt; select the sender row that has the specified patient ID</a:t>
+            </a:r>
+          </a:p>
+          <a:p>
+            <a:pPr marL="0" indent="0">
+              <a:buNone/>
+            </a:pPr>
             <a:endParaRPr lang="en-US" dirty="0">
               <a:solidFill>
                 <a:srgbClr val="FFFFFF"/>
@@ -10293,7 +10767,7 @@
         </p:spPr>
         <p:txBody>
           <a:bodyPr>
-            <a:normAutofit fontScale="92500" lnSpcReduction="20000"/>
+            <a:normAutofit fontScale="77500" lnSpcReduction="20000"/>
           </a:bodyPr>
           <a:lstStyle/>
           <a:p>
@@ -10397,7 +10871,7 @@
                 </a:solidFill>
                 <a:effectLst/>
                 <a:latin typeface="Inter"/>
-                <a:hlinkClick r:id="rId2"/>
+                <a:hlinkClick r:id="rId3"/>
               </a:rPr>
               <a:t>caretakers</a:t>
             </a:r>
@@ -10435,23 +10909,14 @@
               <a:t>/</a:t>
             </a:r>
             <a:r>
-              <a:rPr lang="en-US" dirty="0">
-                <a:solidFill>
-                  <a:srgbClr val="FFFFFF"/>
-                </a:solidFill>
-                <a:latin typeface="Inter"/>
-              </a:rPr>
-              <a:t>	</a:t>
-            </a:r>
-            <a:r>
-              <a:rPr lang="en-US" b="0" i="0" dirty="0">
-                <a:solidFill>
-                  <a:srgbClr val="FFFFFF"/>
-                </a:solidFill>
-                <a:effectLst/>
-                <a:latin typeface="Inter"/>
-              </a:rPr>
-              <a:t>=&gt; select the caretaker row that has the specified ID</a:t>
+              <a:rPr lang="en-US" b="0" i="0" dirty="0">
+                <a:solidFill>
+                  <a:srgbClr val="FFFFFF"/>
+                </a:solidFill>
+                <a:effectLst/>
+                <a:latin typeface="Inter"/>
+              </a:rPr>
+              <a:t> =&gt; select the caretaker row that has the specified ID</a:t>
             </a:r>
           </a:p>
           <a:p>
@@ -10541,13 +11006,122 @@
                 <a:effectLst/>
                 <a:latin typeface="Inter"/>
               </a:rPr>
-              <a:t> 	=&gt; select the caretaker that has the specified username</a:t>
+              <a:t> =&gt; select the caretaker that has the specified username</a:t>
             </a:r>
           </a:p>
           <a:p>
             <a:pPr marL="0" indent="0">
               <a:buNone/>
             </a:pPr>
+            <a:endParaRPr lang="en-US" b="0" i="0" dirty="0">
+              <a:solidFill>
+                <a:srgbClr val="FFFFFF"/>
+              </a:solidFill>
+              <a:effectLst/>
+              <a:latin typeface="Inter"/>
+            </a:endParaRPr>
+          </a:p>
+          <a:p>
+            <a:r>
+              <a:rPr lang="en-US" b="0" i="0" dirty="0">
+                <a:solidFill>
+                  <a:srgbClr val="FFFFFF"/>
+                </a:solidFill>
+                <a:effectLst/>
+                <a:latin typeface="Inter"/>
+                <a:hlinkClick r:id="rId4"/>
+              </a:rPr>
+              <a:t>{GET} </a:t>
+            </a:r>
+            <a:r>
+              <a:rPr lang="ro-RO" b="0" i="0" dirty="0">
+                <a:solidFill>
+                  <a:srgbClr val="FFFFFF"/>
+                </a:solidFill>
+                <a:effectLst/>
+                <a:latin typeface="Inter"/>
+                <a:hlinkClick r:id="rId5"/>
+              </a:rPr>
+              <a:t>http://185.207.251.196:9000/api/</a:t>
+            </a:r>
+            <a:r>
+              <a:rPr lang="en-US" b="0" i="0" dirty="0">
+                <a:solidFill>
+                  <a:srgbClr val="FFFFFF"/>
+                </a:solidFill>
+                <a:effectLst/>
+                <a:latin typeface="Inter"/>
+                <a:hlinkClick r:id="rId5"/>
+              </a:rPr>
+              <a:t>caretakers</a:t>
+            </a:r>
+            <a:r>
+              <a:rPr lang="ro-RO" b="0" i="0" dirty="0">
+                <a:solidFill>
+                  <a:srgbClr val="FFFFFF"/>
+                </a:solidFill>
+                <a:effectLst/>
+                <a:latin typeface="Inter"/>
+                <a:hlinkClick r:id="rId5"/>
+              </a:rPr>
+              <a:t>/</a:t>
+            </a:r>
+            <a:r>
+              <a:rPr lang="en-US" b="0" i="0" dirty="0" err="1">
+                <a:solidFill>
+                  <a:srgbClr val="FFFFFF"/>
+                </a:solidFill>
+                <a:effectLst/>
+                <a:latin typeface="Inter"/>
+                <a:hlinkClick r:id="rId5"/>
+              </a:rPr>
+              <a:t>patientscount</a:t>
+            </a:r>
+            <a:r>
+              <a:rPr lang="ro-RO" b="0" i="0" dirty="0">
+                <a:solidFill>
+                  <a:srgbClr val="FFFFFF"/>
+                </a:solidFill>
+                <a:effectLst/>
+                <a:latin typeface="Inter"/>
+                <a:hlinkClick r:id="rId5"/>
+              </a:rPr>
+              <a:t>/</a:t>
+            </a:r>
+            <a:r>
+              <a:rPr lang="en-US" b="0" i="0" dirty="0">
+                <a:solidFill>
+                  <a:srgbClr val="FFFFFF"/>
+                </a:solidFill>
+                <a:effectLst/>
+                <a:latin typeface="Inter"/>
+                <a:hlinkClick r:id="rId5"/>
+              </a:rPr>
+              <a:t>{id}</a:t>
+            </a:r>
+            <a:r>
+              <a:rPr lang="ro-RO" b="0" i="0" dirty="0">
+                <a:solidFill>
+                  <a:srgbClr val="FFFFFF"/>
+                </a:solidFill>
+                <a:effectLst/>
+                <a:latin typeface="Inter"/>
+                <a:hlinkClick r:id="rId5"/>
+              </a:rPr>
+              <a:t>/</a:t>
+            </a:r>
+            <a:r>
+              <a:rPr lang="en-US" b="0" i="0" dirty="0">
+                <a:solidFill>
+                  <a:srgbClr val="FFFFFF"/>
+                </a:solidFill>
+                <a:effectLst/>
+                <a:latin typeface="Inter"/>
+              </a:rPr>
+              <a:t> =&gt; see the number of patients of a caretaker</a:t>
+            </a:r>
+          </a:p>
+          <a:p>
             <a:endParaRPr lang="en-US" dirty="0">
               <a:solidFill>
                 <a:srgbClr val="FFFFFF"/>
@@ -10574,7 +11148,7 @@
                 </a:solidFill>
                 <a:effectLst/>
                 <a:latin typeface="Inter"/>
-                <a:hlinkClick r:id="rId5"/>
+                <a:hlinkClick r:id="rId6"/>
               </a:rPr>
               <a:t>http://185.207.251.196:9000/api/</a:t>
             </a:r>
@@ -10596,7 +11170,7 @@
                 </a:solidFill>
                 <a:effectLst/>
                 <a:latin typeface="Inter"/>
-                <a:hlinkClick r:id="rId5"/>
+                <a:hlinkClick r:id="rId6"/>
               </a:rPr>
               <a:t>/create/</a:t>
             </a:r>
@@ -10638,7 +11212,7 @@
                 </a:solidFill>
                 <a:effectLst/>
                 <a:latin typeface="Inter"/>
-                <a:hlinkClick r:id="rId3"/>
+                <a:hlinkClick r:id="rId7"/>
               </a:rPr>
               <a:t>http://185.207.251.196:9000/api/</a:t>
             </a:r>
@@ -10660,7 +11234,7 @@
                 </a:solidFill>
                 <a:effectLst/>
                 <a:latin typeface="Inter"/>
-                <a:hlinkClick r:id="rId3"/>
+                <a:hlinkClick r:id="rId7"/>
               </a:rPr>
               <a:t>/id/</a:t>
             </a:r>
@@ -10671,7 +11245,7 @@
                 </a:solidFill>
                 <a:effectLst/>
                 <a:latin typeface="Inter"/>
-                <a:hlinkClick r:id="rId3"/>
+                <a:hlinkClick r:id="rId7"/>
               </a:rPr>
               <a:t>{number}</a:t>
             </a:r>
@@ -10682,7 +11256,7 @@
                 </a:solidFill>
                 <a:effectLst/>
                 <a:latin typeface="Inter"/>
-                <a:hlinkClick r:id="rId3"/>
+                <a:hlinkClick r:id="rId7"/>
               </a:rPr>
               <a:t>/</a:t>
             </a:r>
@@ -10713,7 +11287,7 @@
                 </a:solidFill>
                 <a:effectLst/>
                 <a:latin typeface="Inter"/>
-                <a:hlinkClick r:id="rId6"/>
+                <a:hlinkClick r:id="rId8"/>
               </a:rPr>
               <a:t>{DELETE} </a:t>
             </a:r>
@@ -10724,7 +11298,7 @@
                 </a:solidFill>
                 <a:effectLst/>
                 <a:latin typeface="Inter"/>
-                <a:hlinkClick r:id="rId6"/>
+                <a:hlinkClick r:id="rId8"/>
               </a:rPr>
               <a:t>http://185.207.251.196:9000/api/</a:t>
             </a:r>
@@ -10746,7 +11320,7 @@
                 </a:solidFill>
                 <a:effectLst/>
                 <a:latin typeface="Inter"/>
-                <a:hlinkClick r:id="rId6"/>
+                <a:hlinkClick r:id="rId8"/>
               </a:rPr>
               <a:t>/id/</a:t>
             </a:r>
@@ -10757,7 +11331,7 @@
                 </a:solidFill>
                 <a:effectLst/>
                 <a:latin typeface="Inter"/>
-                <a:hlinkClick r:id="rId6"/>
+                <a:hlinkClick r:id="rId8"/>
               </a:rPr>
               <a:t>{number}</a:t>
             </a:r>
@@ -10768,7 +11342,7 @@
                 </a:solidFill>
                 <a:effectLst/>
                 <a:latin typeface="Inter"/>
-                <a:hlinkClick r:id="rId6"/>
+                <a:hlinkClick r:id="rId8"/>
               </a:rPr>
               <a:t>/</a:t>
             </a:r>
@@ -10821,7 +11395,7 @@
           <a:p>
             <a:r>
               <a:rPr lang="en-US" dirty="0">
-                <a:hlinkClick r:id="rId7" action="ppaction://hlinksldjump"/>
+                <a:hlinkClick r:id="rId9" action="ppaction://hlinksldjump"/>
               </a:rPr>
               <a:t>Back to navigation</a:t>
             </a:r>
@@ -11160,7 +11734,7 @@
         </p:spPr>
         <p:txBody>
           <a:bodyPr>
-            <a:normAutofit lnSpcReduction="10000"/>
+            <a:normAutofit fontScale="92500" lnSpcReduction="20000"/>
           </a:bodyPr>
           <a:lstStyle/>
           <a:p>
@@ -11379,6 +11953,130 @@
             </a:r>
           </a:p>
           <a:p>
+            <a:pPr marL="0" indent="0">
+              <a:buNone/>
+            </a:pPr>
+            <a:endParaRPr lang="en-US" b="0" i="0" dirty="0">
+              <a:solidFill>
+                <a:srgbClr val="FFFFFF"/>
+              </a:solidFill>
+              <a:effectLst/>
+              <a:latin typeface="Inter"/>
+            </a:endParaRPr>
+          </a:p>
+          <a:p>
+            <a:r>
+              <a:rPr lang="en-US" b="0" i="0" dirty="0">
+                <a:solidFill>
+                  <a:srgbClr val="FFFFFF"/>
+                </a:solidFill>
+                <a:effectLst/>
+                <a:latin typeface="Inter"/>
+                <a:hlinkClick r:id="rId2"/>
+              </a:rPr>
+              <a:t>{POST} </a:t>
+            </a:r>
+            <a:r>
+              <a:rPr lang="ro-RO" b="0" i="0" dirty="0">
+                <a:solidFill>
+                  <a:srgbClr val="FFFFFF"/>
+                </a:solidFill>
+                <a:effectLst/>
+                <a:latin typeface="Inter"/>
+                <a:hlinkClick r:id="rId4"/>
+              </a:rPr>
+              <a:t>http://185.207.251.196:9000/api/</a:t>
+            </a:r>
+            <a:r>
+              <a:rPr lang="en-US" b="0" i="0" dirty="0" err="1">
+                <a:solidFill>
+                  <a:srgbClr val="FFFFFF"/>
+                </a:solidFill>
+                <a:effectLst/>
+                <a:latin typeface="Inter"/>
+                <a:hlinkClick r:id="rId2"/>
+              </a:rPr>
+              <a:t>medicalfile</a:t>
+            </a:r>
+            <a:r>
+              <a:rPr lang="ro-RO" b="0" i="0" dirty="0">
+                <a:solidFill>
+                  <a:srgbClr val="FFFFFF"/>
+                </a:solidFill>
+                <a:effectLst/>
+                <a:latin typeface="Inter"/>
+                <a:hlinkClick r:id="rId4"/>
+              </a:rPr>
+              <a:t>/</a:t>
+            </a:r>
+            <a:r>
+              <a:rPr lang="en-US" b="0" i="0" dirty="0" err="1">
+                <a:solidFill>
+                  <a:srgbClr val="FFFFFF"/>
+                </a:solidFill>
+                <a:effectLst/>
+                <a:latin typeface="Inter"/>
+                <a:hlinkClick r:id="rId4"/>
+              </a:rPr>
+              <a:t>idpatient</a:t>
+            </a:r>
+            <a:r>
+              <a:rPr lang="en-US" b="0" i="0" dirty="0">
+                <a:solidFill>
+                  <a:srgbClr val="FFFFFF"/>
+                </a:solidFill>
+                <a:effectLst/>
+                <a:latin typeface="Inter"/>
+                <a:hlinkClick r:id="rId4"/>
+              </a:rPr>
+              <a:t>/{id}</a:t>
+            </a:r>
+            <a:r>
+              <a:rPr lang="ro-RO" b="0" i="0" dirty="0">
+                <a:solidFill>
+                  <a:srgbClr val="FFFFFF"/>
+                </a:solidFill>
+                <a:effectLst/>
+                <a:latin typeface="Inter"/>
+                <a:hlinkClick r:id="rId4"/>
+              </a:rPr>
+              <a:t>/</a:t>
+            </a:r>
+            <a:r>
+              <a:rPr lang="en-US" b="0" i="0" dirty="0">
+                <a:solidFill>
+                  <a:srgbClr val="FFFFFF"/>
+                </a:solidFill>
+                <a:effectLst/>
+                <a:latin typeface="Inter"/>
+              </a:rPr>
+              <a:t> =&gt; see the medical file of a specified </a:t>
+            </a:r>
+            <a:r>
+              <a:rPr lang="en-US" b="0" i="0" dirty="0" err="1">
+                <a:solidFill>
+                  <a:srgbClr val="FFFFFF"/>
+                </a:solidFill>
+                <a:effectLst/>
+                <a:latin typeface="Inter"/>
+              </a:rPr>
+              <a:t>pacient</a:t>
+            </a:r>
+            <a:r>
+              <a:rPr lang="en-US" b="0" i="0" dirty="0">
+                <a:solidFill>
+                  <a:srgbClr val="FFFFFF"/>
+                </a:solidFill>
+                <a:effectLst/>
+                <a:latin typeface="Inter"/>
+              </a:rPr>
+              <a:t> (by ID)</a:t>
+            </a:r>
+          </a:p>
+          <a:p>
+            <a:pPr marL="0" indent="0">
+              <a:buNone/>
+            </a:pPr>
             <a:endParaRPr lang="en-US" dirty="0">
               <a:solidFill>
                 <a:srgbClr val="FFFFFF"/>
